--- a/Fall-Semester/CDBM602/Assign1/SaskPoly Presentation Template.pptx
+++ b/Fall-Semester/CDBM602/Assign1/SaskPoly Presentation Template.pptx
@@ -114,8 +114,55 @@
 </p:presentation>
 </file>
 
+<file path=ppt/revisionInfo.xml><?xml version="1.0" encoding="utf-8"?>
+<p1510:revInfo xmlns:a="http://schemas.openxmlformats.org/drawingml/2006/main" xmlns:r="http://schemas.openxmlformats.org/officeDocument/2006/relationships" xmlns:p1510="http://schemas.microsoft.com/office/powerpoint/2015/10/main">
+  <p1510:revLst>
+    <p1510:client id="{7773038C-56A1-D149-9207-AB2C97A7B3FA}" v="2" dt="2024-09-22T20:59:51.432"/>
+  </p1510:revLst>
+</p1510:revInfo>
+</file>
+
 <file path=ppt/changesInfos/changesInfo1.xml><?xml version="1.0" encoding="utf-8"?>
 <pc:chgInfo xmlns:a="http://schemas.openxmlformats.org/drawingml/2006/main" xmlns:r="http://schemas.openxmlformats.org/officeDocument/2006/relationships" xmlns:ac="http://schemas.microsoft.com/office/drawing/2013/main/command" xmlns:pc="http://schemas.microsoft.com/office/powerpoint/2013/main/command">
+  <pc:docChgLst>
+    <pc:chgData name="Tai Nguyen" userId="ae9dc2046ad84b81" providerId="LiveId" clId="{7773038C-56A1-D149-9207-AB2C97A7B3FA}"/>
+    <pc:docChg chg="modSld">
+      <pc:chgData name="Tai Nguyen" userId="ae9dc2046ad84b81" providerId="LiveId" clId="{7773038C-56A1-D149-9207-AB2C97A7B3FA}" dt="2024-09-22T21:07:58.644" v="17" actId="1076"/>
+      <pc:docMkLst>
+        <pc:docMk/>
+      </pc:docMkLst>
+      <pc:sldChg chg="addSp modSp mod">
+        <pc:chgData name="Tai Nguyen" userId="ae9dc2046ad84b81" providerId="LiveId" clId="{7773038C-56A1-D149-9207-AB2C97A7B3FA}" dt="2024-09-22T20:59:29.914" v="2" actId="1076"/>
+        <pc:sldMkLst>
+          <pc:docMk/>
+          <pc:sldMk cId="2585155231" sldId="256"/>
+        </pc:sldMkLst>
+        <pc:spChg chg="add mod">
+          <ac:chgData name="Tai Nguyen" userId="ae9dc2046ad84b81" providerId="LiveId" clId="{7773038C-56A1-D149-9207-AB2C97A7B3FA}" dt="2024-09-22T20:59:29.914" v="2" actId="1076"/>
+          <ac:spMkLst>
+            <pc:docMk/>
+            <pc:sldMk cId="2585155231" sldId="256"/>
+            <ac:spMk id="2" creationId="{B911177F-D643-0071-1E2B-BA235996C2B9}"/>
+          </ac:spMkLst>
+        </pc:spChg>
+      </pc:sldChg>
+      <pc:sldChg chg="addSp modSp mod">
+        <pc:chgData name="Tai Nguyen" userId="ae9dc2046ad84b81" providerId="LiveId" clId="{7773038C-56A1-D149-9207-AB2C97A7B3FA}" dt="2024-09-22T21:07:58.644" v="17" actId="1076"/>
+        <pc:sldMkLst>
+          <pc:docMk/>
+          <pc:sldMk cId="1101937357" sldId="257"/>
+        </pc:sldMkLst>
+        <pc:spChg chg="add mod">
+          <ac:chgData name="Tai Nguyen" userId="ae9dc2046ad84b81" providerId="LiveId" clId="{7773038C-56A1-D149-9207-AB2C97A7B3FA}" dt="2024-09-22T21:07:58.644" v="17" actId="1076"/>
+          <ac:spMkLst>
+            <pc:docMk/>
+            <pc:sldMk cId="1101937357" sldId="257"/>
+            <ac:spMk id="2" creationId="{3D9132BA-AB97-D2CE-1443-E99A1E35BCD4}"/>
+          </ac:spMkLst>
+        </pc:spChg>
+      </pc:sldChg>
+    </pc:docChg>
+  </pc:docChgLst>
   <pc:docChgLst>
     <pc:chgData name="Sekaran, Arun Kumar" userId="224228c8-a1d1-4e32-a9ce-2b99d3032ada" providerId="ADAL" clId="{5A716940-4505-43F5-A257-371A320B9AED}"/>
     <pc:docChg chg="custSel addSld modSld modMainMaster">
@@ -505,7 +552,7 @@
           <a:p>
             <a:fld id="{8527D21A-CC25-4AF9-BCAF-FA3D2CB39FB7}" type="datetimeFigureOut">
               <a:rPr lang="en-US" smtClean="0"/>
-              <a:t>3/29/2022</a:t>
+              <a:t>9/22/24</a:t>
             </a:fld>
             <a:endParaRPr lang="en-US"/>
           </a:p>
@@ -906,7 +953,7 @@
           <a:p>
             <a:fld id="{8527D21A-CC25-4AF9-BCAF-FA3D2CB39FB7}" type="datetimeFigureOut">
               <a:rPr lang="en-US" smtClean="0"/>
-              <a:t>3/29/2022</a:t>
+              <a:t>9/22/24</a:t>
             </a:fld>
             <a:endParaRPr lang="en-US"/>
           </a:p>
@@ -1194,7 +1241,7 @@
           <a:p>
             <a:fld id="{8527D21A-CC25-4AF9-BCAF-FA3D2CB39FB7}" type="datetimeFigureOut">
               <a:rPr lang="en-US" smtClean="0"/>
-              <a:t>3/29/2022</a:t>
+              <a:t>9/22/24</a:t>
             </a:fld>
             <a:endParaRPr lang="en-US"/>
           </a:p>
@@ -1392,7 +1439,7 @@
           <a:p>
             <a:fld id="{8527D21A-CC25-4AF9-BCAF-FA3D2CB39FB7}" type="datetimeFigureOut">
               <a:rPr lang="en-US" smtClean="0"/>
-              <a:t>3/29/2022</a:t>
+              <a:t>9/22/24</a:t>
             </a:fld>
             <a:endParaRPr lang="en-US"/>
           </a:p>
@@ -1600,7 +1647,7 @@
           <a:p>
             <a:fld id="{8527D21A-CC25-4AF9-BCAF-FA3D2CB39FB7}" type="datetimeFigureOut">
               <a:rPr lang="en-US" smtClean="0"/>
-              <a:t>3/29/2022</a:t>
+              <a:t>9/22/24</a:t>
             </a:fld>
             <a:endParaRPr lang="en-US"/>
           </a:p>
@@ -1798,7 +1845,7 @@
           <a:p>
             <a:fld id="{8527D21A-CC25-4AF9-BCAF-FA3D2CB39FB7}" type="datetimeFigureOut">
               <a:rPr lang="en-US" smtClean="0"/>
-              <a:t>3/29/2022</a:t>
+              <a:t>9/22/24</a:t>
             </a:fld>
             <a:endParaRPr lang="en-US"/>
           </a:p>
@@ -2163,7 +2210,7 @@
           <a:p>
             <a:fld id="{8527D21A-CC25-4AF9-BCAF-FA3D2CB39FB7}" type="datetimeFigureOut">
               <a:rPr lang="en-US" smtClean="0"/>
-              <a:t>3/29/2022</a:t>
+              <a:t>9/22/24</a:t>
             </a:fld>
             <a:endParaRPr lang="en-US"/>
           </a:p>
@@ -2518,7 +2565,7 @@
           <a:p>
             <a:fld id="{8527D21A-CC25-4AF9-BCAF-FA3D2CB39FB7}" type="datetimeFigureOut">
               <a:rPr lang="en-US" smtClean="0"/>
-              <a:t>3/29/2022</a:t>
+              <a:t>9/22/24</a:t>
             </a:fld>
             <a:endParaRPr lang="en-US"/>
           </a:p>
@@ -3063,7 +3110,7 @@
           <a:p>
             <a:fld id="{8527D21A-CC25-4AF9-BCAF-FA3D2CB39FB7}" type="datetimeFigureOut">
               <a:rPr lang="en-US" smtClean="0"/>
-              <a:t>3/29/2022</a:t>
+              <a:t>9/22/24</a:t>
             </a:fld>
             <a:endParaRPr lang="en-US"/>
           </a:p>
@@ -3251,7 +3298,7 @@
           <a:p>
             <a:fld id="{8527D21A-CC25-4AF9-BCAF-FA3D2CB39FB7}" type="datetimeFigureOut">
               <a:rPr lang="en-US" smtClean="0"/>
-              <a:t>3/29/2022</a:t>
+              <a:t>9/22/24</a:t>
             </a:fld>
             <a:endParaRPr lang="en-US"/>
           </a:p>
@@ -3454,7 +3501,7 @@
           <a:p>
             <a:fld id="{8527D21A-CC25-4AF9-BCAF-FA3D2CB39FB7}" type="datetimeFigureOut">
               <a:rPr lang="en-US" smtClean="0"/>
-              <a:t>3/29/2022</a:t>
+              <a:t>9/22/24</a:t>
             </a:fld>
             <a:endParaRPr lang="en-US"/>
           </a:p>
@@ -3657,7 +3704,7 @@
           <a:p>
             <a:fld id="{8527D21A-CC25-4AF9-BCAF-FA3D2CB39FB7}" type="datetimeFigureOut">
               <a:rPr lang="en-US" smtClean="0"/>
-              <a:t>3/29/2022</a:t>
+              <a:t>9/22/24</a:t>
             </a:fld>
             <a:endParaRPr lang="en-US"/>
           </a:p>
@@ -3911,7 +3958,7 @@
           <a:p>
             <a:fld id="{8527D21A-CC25-4AF9-BCAF-FA3D2CB39FB7}" type="datetimeFigureOut">
               <a:rPr lang="en-US" smtClean="0"/>
-              <a:t>3/29/2022</a:t>
+              <a:t>9/22/24</a:t>
             </a:fld>
             <a:endParaRPr lang="en-US"/>
           </a:p>
@@ -4242,7 +4289,7 @@
           <a:p>
             <a:fld id="{8527D21A-CC25-4AF9-BCAF-FA3D2CB39FB7}" type="datetimeFigureOut">
               <a:rPr lang="en-US" smtClean="0"/>
-              <a:t>3/29/2022</a:t>
+              <a:t>9/22/24</a:t>
             </a:fld>
             <a:endParaRPr lang="en-US"/>
           </a:p>
@@ -4661,6 +4708,42 @@
           <a:chExt cx="0" cy="0"/>
         </a:xfrm>
       </p:grpSpPr>
+      <p:sp>
+        <p:nvSpPr>
+          <p:cNvPr id="2" name="TextBox 1">
+            <a:extLst>
+              <a:ext uri="{FF2B5EF4-FFF2-40B4-BE49-F238E27FC236}">
+                <a16:creationId xmlns:a16="http://schemas.microsoft.com/office/drawing/2014/main" id="{B911177F-D643-0071-1E2B-BA235996C2B9}"/>
+              </a:ext>
+            </a:extLst>
+          </p:cNvPr>
+          <p:cNvSpPr txBox="1"/>
+          <p:nvPr/>
+        </p:nvSpPr>
+        <p:spPr>
+          <a:xfrm>
+            <a:off x="4211349" y="646043"/>
+            <a:ext cx="3769302" cy="369332"/>
+          </a:xfrm>
+          <a:prstGeom prst="rect">
+            <a:avLst/>
+          </a:prstGeom>
+          <a:noFill/>
+        </p:spPr>
+        <p:txBody>
+          <a:bodyPr wrap="none" rtlCol="0">
+            <a:spAutoFit/>
+          </a:bodyPr>
+          <a:lstStyle/>
+          <a:p>
+            <a:r>
+              <a:rPr lang="en-CA" dirty="0"/>
+              <a:t>Deployment in the CRISP-DM Lifecycle</a:t>
+            </a:r>
+            <a:endParaRPr lang="en-US" dirty="0"/>
+          </a:p>
+        </p:txBody>
+      </p:sp>
     </p:spTree>
     <p:extLst>
       <p:ext uri="{BB962C8B-B14F-4D97-AF65-F5344CB8AC3E}">
@@ -4691,6 +4774,78 @@
           <a:chExt cx="0" cy="0"/>
         </a:xfrm>
       </p:grpSpPr>
+      <p:sp>
+        <p:nvSpPr>
+          <p:cNvPr id="2" name="TextBox 1">
+            <a:extLst>
+              <a:ext uri="{FF2B5EF4-FFF2-40B4-BE49-F238E27FC236}">
+                <a16:creationId xmlns:a16="http://schemas.microsoft.com/office/drawing/2014/main" id="{3D9132BA-AB97-D2CE-1443-E99A1E35BCD4}"/>
+              </a:ext>
+            </a:extLst>
+          </p:cNvPr>
+          <p:cNvSpPr txBox="1"/>
+          <p:nvPr/>
+        </p:nvSpPr>
+        <p:spPr>
+          <a:xfrm>
+            <a:off x="824948" y="2335696"/>
+            <a:ext cx="3491340" cy="2031325"/>
+          </a:xfrm>
+          <a:prstGeom prst="rect">
+            <a:avLst/>
+          </a:prstGeom>
+          <a:noFill/>
+        </p:spPr>
+        <p:txBody>
+          <a:bodyPr wrap="none" rtlCol="0">
+            <a:spAutoFit/>
+          </a:bodyPr>
+          <a:lstStyle/>
+          <a:p>
+            <a:r>
+              <a:rPr lang="en-CA" dirty="0"/>
+              <a:t>What is Deployment?</a:t>
+            </a:r>
+          </a:p>
+          <a:p>
+            <a:r>
+              <a:rPr lang="en-CA" dirty="0"/>
+              <a:t>What is Deployment Used For?</a:t>
+            </a:r>
+          </a:p>
+          <a:p>
+            <a:r>
+              <a:rPr lang="en-CA" dirty="0"/>
+              <a:t>Fitting Deployment into CRISP-DM</a:t>
+            </a:r>
+          </a:p>
+          <a:p>
+            <a:r>
+              <a:rPr lang="en-CA" dirty="0"/>
+              <a:t>Challenges in Deployment</a:t>
+            </a:r>
+          </a:p>
+          <a:p>
+            <a:r>
+              <a:rPr lang="en-CA" dirty="0"/>
+              <a:t>Tools and Technologies</a:t>
+            </a:r>
+          </a:p>
+          <a:p>
+            <a:r>
+              <a:rPr lang="en-CA" dirty="0"/>
+              <a:t>Real-Life Use Case: AI in Healthcare</a:t>
+            </a:r>
+          </a:p>
+          <a:p>
+            <a:r>
+              <a:rPr lang="en-CA" dirty="0"/>
+              <a:t>Conclusion</a:t>
+            </a:r>
+            <a:endParaRPr lang="en-US" dirty="0"/>
+          </a:p>
+        </p:txBody>
+      </p:sp>
     </p:spTree>
     <p:extLst>
       <p:ext uri="{BB962C8B-B14F-4D97-AF65-F5344CB8AC3E}">
